--- a/文档和ppt/学生网上选课系统 - 学生端.pptx
+++ b/文档和ppt/学生网上选课系统 - 学生端.pptx
@@ -18612,7 +18612,11 @@
           <a:p>
             <a:r>
               <a:rPr lang="zh-CN" altLang="en-US"/>
-              <a:t>修改前数据库课程信息</a:t>
+              <a:t>修改后数据库学生</a:t>
+            </a:r>
+            <a:r>
+              <a:rPr lang="zh-CN" altLang="en-US"/>
+              <a:t>信息</a:t>
             </a:r>
             <a:endParaRPr lang="zh-CN" altLang="en-US"/>
           </a:p>
@@ -18641,7 +18645,11 @@
           <a:p>
             <a:r>
               <a:rPr lang="zh-CN" altLang="en-US"/>
-              <a:t>修改后数据库选课信息</a:t>
+              <a:t>修改前</a:t>
+            </a:r>
+            <a:r>
+              <a:rPr lang="zh-CN" altLang="en-US"/>
+              <a:t>数据库选课信息</a:t>
             </a:r>
             <a:endParaRPr lang="zh-CN" altLang="en-US"/>
           </a:p>
@@ -19374,7 +19382,7 @@
             <a:pPr algn="l"/>
             <a:r>
               <a:rPr lang="zh-CN" altLang="en-US"/>
-              <a:t>说明：说明：通过获取到的此课程的上课时间（SchoolTime）与此学生已选的所有课程的上课时间（SchoolTime）比对，如果一样则提示“时间冲突，选课失败”；如果不一致则进一步比较他们的上课时段，t1--t13值为1时表示1-13节有课，0为没课，例如出现t2出现同为1的时候则表示第2节课时间冲突，提示“时间冲突，选课失败”。</a:t>
+              <a:t>说明：通过获取到的此课程的上课时间（SchoolTime）与此学生已选的所有课程的上课时间（SchoolTime）比对，如果一样则提示“时间冲突，选课失败”；如果不一致则进一步比较他们的上课时段，t1--t13值为1时表示1-13节有课，0为没课，例如出现t2出现同为1的时候则表示第2节课时间冲突，提示“时间冲突，选课失败”。</a:t>
             </a:r>
             <a:endParaRPr lang="zh-CN" altLang="en-US"/>
           </a:p>
